--- a/Short Course/Slides/Session 10.pptx
+++ b/Short Course/Slides/Session 10.pptx
@@ -205,7 +205,7 @@
           <a:p>
             <a:fld id="{CA0ECEE2-2B9F-0546-86D3-0746D99DBEAC}" type="datetimeFigureOut">
               <a:rPr lang="en-US" smtClean="0"/>
-              <a:t>9/8/21</a:t>
+              <a:t>9/13/21</a:t>
             </a:fld>
             <a:endParaRPr lang="en-US"/>
           </a:p>
@@ -619,7 +619,7 @@
           <a:p>
             <a:fld id="{75DEEB6D-87B2-644D-8747-2E8D041104EB}" type="datetime1">
               <a:rPr lang="en-US" smtClean="0"/>
-              <a:t>9/8/21</a:t>
+              <a:t>9/13/21</a:t>
             </a:fld>
             <a:endParaRPr lang="en-US"/>
           </a:p>
@@ -914,7 +914,7 @@
           <a:p>
             <a:fld id="{47C196F8-49FB-1E40-8DEC-99DAE45E7E71}" type="datetime1">
               <a:rPr lang="en-US" smtClean="0"/>
-              <a:t>9/8/21</a:t>
+              <a:t>9/13/21</a:t>
             </a:fld>
             <a:endParaRPr lang="en-US"/>
           </a:p>
@@ -1125,7 +1125,7 @@
           <a:p>
             <a:fld id="{54889E39-4280-A242-BBA1-96991C4DE2CD}" type="datetime1">
               <a:rPr lang="en-US" smtClean="0"/>
-              <a:t>9/8/21</a:t>
+              <a:t>9/13/21</a:t>
             </a:fld>
             <a:endParaRPr lang="en-US"/>
           </a:p>
@@ -1336,7 +1336,7 @@
           <a:p>
             <a:fld id="{03553924-9A1B-C346-81AF-6DED2E960392}" type="datetime1">
               <a:rPr lang="en-US" smtClean="0"/>
-              <a:t>9/8/21</a:t>
+              <a:t>9/13/21</a:t>
             </a:fld>
             <a:endParaRPr lang="en-US"/>
           </a:p>
@@ -1708,7 +1708,7 @@
           <a:p>
             <a:fld id="{6837A00C-3818-E947-8A55-07BEEC774886}" type="datetime1">
               <a:rPr lang="en-US" smtClean="0"/>
-              <a:t>9/8/21</a:t>
+              <a:t>9/13/21</a:t>
             </a:fld>
             <a:endParaRPr lang="en-US"/>
           </a:p>
@@ -1976,7 +1976,7 @@
           <a:p>
             <a:fld id="{4C230862-C10C-C347-81B3-49FCDCEA4394}" type="datetime1">
               <a:rPr lang="en-US" smtClean="0"/>
-              <a:t>9/8/21</a:t>
+              <a:t>9/13/21</a:t>
             </a:fld>
             <a:endParaRPr lang="en-US"/>
           </a:p>
@@ -2391,7 +2391,7 @@
           <a:p>
             <a:fld id="{CB0CBD6A-4123-B643-84F1-90210DDF4C5D}" type="datetime1">
               <a:rPr lang="en-US" smtClean="0"/>
-              <a:t>9/8/21</a:t>
+              <a:t>9/13/21</a:t>
             </a:fld>
             <a:endParaRPr lang="en-US"/>
           </a:p>
@@ -2544,7 +2544,7 @@
           <a:p>
             <a:fld id="{DA3DB094-52F9-B549-9059-DFEC98D333F3}" type="datetime1">
               <a:rPr lang="en-US" smtClean="0"/>
-              <a:t>9/8/21</a:t>
+              <a:t>9/13/21</a:t>
             </a:fld>
             <a:endParaRPr lang="en-US"/>
           </a:p>
@@ -2754,7 +2754,7 @@
           <a:p>
             <a:fld id="{5E81CD82-0D5F-8A41-B982-B820665E0F0C}" type="datetime1">
               <a:rPr lang="en-US" smtClean="0"/>
-              <a:t>9/8/21</a:t>
+              <a:t>9/13/21</a:t>
             </a:fld>
             <a:endParaRPr lang="en-US"/>
           </a:p>
@@ -3162,7 +3162,7 @@
           <a:p>
             <a:fld id="{9FA6EA15-46F5-594A-8DA9-EF407B92F6D5}" type="datetime1">
               <a:rPr lang="en-US" smtClean="0"/>
-              <a:t>9/8/21</a:t>
+              <a:t>9/13/21</a:t>
             </a:fld>
             <a:endParaRPr lang="en-US"/>
           </a:p>
@@ -3456,7 +3456,7 @@
           <a:p>
             <a:fld id="{32DA992D-70D7-F143-8042-BDA6F0937482}" type="datetime1">
               <a:rPr lang="en-US" smtClean="0"/>
-              <a:t>9/8/21</a:t>
+              <a:t>9/13/21</a:t>
             </a:fld>
             <a:endParaRPr lang="en-US"/>
           </a:p>
@@ -3700,7 +3700,7 @@
           <a:p>
             <a:fld id="{BAD58EE1-C639-DC47-AFB1-C954D506C574}" type="datetime1">
               <a:rPr lang="en-US" smtClean="0"/>
-              <a:t>9/8/21</a:t>
+              <a:t>9/13/21</a:t>
             </a:fld>
             <a:endParaRPr lang="en-US"/>
           </a:p>
@@ -4713,7 +4713,7 @@
         <p:spPr>
           <a:xfrm>
             <a:off x="7513562" y="4286952"/>
-            <a:ext cx="2907142" cy="923330"/>
+            <a:ext cx="3376630" cy="923330"/>
           </a:xfrm>
           <a:prstGeom prst="rect">
             <a:avLst/>
@@ -4745,6 +4745,14 @@
             <a:r>
               <a:rPr lang="en-US" dirty="0" err="1"/>
               <a:t>renegeTime</a:t>
+            </a:r>
+            <a:r>
+              <a:rPr lang="en-US" dirty="0"/>
+              <a:t> and  </a:t>
+            </a:r>
+            <a:r>
+              <a:rPr lang="en-US" dirty="0" err="1"/>
+              <a:t>serviceTime</a:t>
             </a:r>
             <a:endParaRPr lang="en-US" dirty="0"/>
           </a:p>
